--- a/4. Statusmeeting.pptx
+++ b/4. Statusmeeting.pptx
@@ -122,7 +122,7 @@
 </file>
 
 <file path=ppt/charts/chart1.xml><?xml version="1.0" encoding="utf-8"?>
-<c:chartSpace xmlns:c="http://schemas.openxmlformats.org/drawingml/2006/chart" xmlns:a="http://schemas.openxmlformats.org/drawingml/2006/main" xmlns:r="http://schemas.openxmlformats.org/officeDocument/2006/relationships" xmlns:c16r2="http://schemas.microsoft.com/office/drawing/2015/06/chart">
+<c:chartSpace xmlns:c="http://schemas.openxmlformats.org/drawingml/2006/chart" xmlns:a="http://schemas.openxmlformats.org/drawingml/2006/main" xmlns:r="http://schemas.openxmlformats.org/officeDocument/2006/relationships">
   <c:date1904 val="0"/>
   <c:lang val="de-DE"/>
   <c:roundedCorners val="0"/>
@@ -193,10 +193,10 @@
                 <c:formatCode>0%</c:formatCode>
                 <c:ptCount val="4"/>
                 <c:pt idx="0">
-                  <c:v>0.6</c:v>
+                  <c:v>1.0</c:v>
                 </c:pt>
                 <c:pt idx="1">
-                  <c:v>0.8</c:v>
+                  <c:v>0.95</c:v>
                 </c:pt>
                 <c:pt idx="2">
                   <c:v>0.35</c:v>
@@ -207,7 +207,7 @@
               </c:numCache>
             </c:numRef>
           </c:val>
-          <c:extLst>
+          <c:extLst xmlns:c16r2="http://schemas.microsoft.com/office/drawing/2015/06/chart">
             <c:ext xmlns:c16="http://schemas.microsoft.com/office/drawing/2014/chart" uri="{C3380CC4-5D6E-409C-BE32-E72D297353CC}">
               <c16:uniqueId val="{00000000-6601-4215-BCDA-1E2CD4B63298}"/>
             </c:ext>
@@ -223,11 +223,11 @@
         </c:dLbls>
         <c:gapWidth val="219"/>
         <c:overlap val="-27"/>
-        <c:axId val="1823682480"/>
-        <c:axId val="1823684256"/>
+        <c:axId val="-1436601968"/>
+        <c:axId val="-1436416560"/>
       </c:barChart>
       <c:catAx>
-        <c:axId val="1823682480"/>
+        <c:axId val="-1436601968"/>
         <c:scaling>
           <c:orientation val="minMax"/>
         </c:scaling>
@@ -270,7 +270,7 @@
             <a:endParaRPr lang="de-DE"/>
           </a:p>
         </c:txPr>
-        <c:crossAx val="1823684256"/>
+        <c:crossAx val="-1436416560"/>
         <c:crosses val="autoZero"/>
         <c:auto val="1"/>
         <c:lblAlgn val="ctr"/>
@@ -278,7 +278,7 @@
         <c:noMultiLvlLbl val="0"/>
       </c:catAx>
       <c:valAx>
-        <c:axId val="1823684256"/>
+        <c:axId val="-1436416560"/>
         <c:scaling>
           <c:orientation val="minMax"/>
         </c:scaling>
@@ -331,7 +331,7 @@
             <a:endParaRPr lang="de-DE"/>
           </a:p>
         </c:txPr>
-        <c:crossAx val="1823682480"/>
+        <c:crossAx val="-1436601968"/>
         <c:crosses val="autoZero"/>
         <c:crossBetween val="between"/>
       </c:valAx>
@@ -1666,7 +1666,7 @@
           <a:p>
             <a:fld id="{7E4B12FC-B41C-4527-A942-44ADBFB5AA4E}" type="datetimeFigureOut">
               <a:rPr lang="de-DE" smtClean="0"/>
-              <a:t>01.12.2017</a:t>
+              <a:t>08.12.17</a:t>
             </a:fld>
             <a:endParaRPr lang="de-DE"/>
           </a:p>
@@ -1917,7 +1917,7 @@
           <a:p>
             <a:fld id="{7E4B12FC-B41C-4527-A942-44ADBFB5AA4E}" type="datetimeFigureOut">
               <a:rPr lang="de-DE" smtClean="0"/>
-              <a:t>01.12.2017</a:t>
+              <a:t>08.12.17</a:t>
             </a:fld>
             <a:endParaRPr lang="de-DE"/>
           </a:p>
@@ -2231,7 +2231,7 @@
           <a:p>
             <a:fld id="{7E4B12FC-B41C-4527-A942-44ADBFB5AA4E}" type="datetimeFigureOut">
               <a:rPr lang="de-DE" smtClean="0"/>
-              <a:t>01.12.2017</a:t>
+              <a:t>08.12.17</a:t>
             </a:fld>
             <a:endParaRPr lang="de-DE"/>
           </a:p>
@@ -2572,7 +2572,7 @@
           <a:p>
             <a:fld id="{7E4B12FC-B41C-4527-A942-44ADBFB5AA4E}" type="datetimeFigureOut">
               <a:rPr lang="de-DE" smtClean="0"/>
-              <a:t>01.12.2017</a:t>
+              <a:t>08.12.17</a:t>
             </a:fld>
             <a:endParaRPr lang="de-DE"/>
           </a:p>
@@ -2886,7 +2886,7 @@
           <a:p>
             <a:fld id="{7E4B12FC-B41C-4527-A942-44ADBFB5AA4E}" type="datetimeFigureOut">
               <a:rPr lang="de-DE" smtClean="0"/>
-              <a:t>01.12.2017</a:t>
+              <a:t>08.12.17</a:t>
             </a:fld>
             <a:endParaRPr lang="de-DE"/>
           </a:p>
@@ -3279,7 +3279,7 @@
           <a:p>
             <a:fld id="{7E4B12FC-B41C-4527-A942-44ADBFB5AA4E}" type="datetimeFigureOut">
               <a:rPr lang="de-DE" smtClean="0"/>
-              <a:t>01.12.2017</a:t>
+              <a:t>08.12.17</a:t>
             </a:fld>
             <a:endParaRPr lang="de-DE"/>
           </a:p>
@@ -3449,7 +3449,7 @@
           <a:p>
             <a:fld id="{7E4B12FC-B41C-4527-A942-44ADBFB5AA4E}" type="datetimeFigureOut">
               <a:rPr lang="de-DE" smtClean="0"/>
-              <a:t>01.12.2017</a:t>
+              <a:t>08.12.17</a:t>
             </a:fld>
             <a:endParaRPr lang="de-DE"/>
           </a:p>
@@ -3629,7 +3629,7 @@
           <a:p>
             <a:fld id="{7E4B12FC-B41C-4527-A942-44ADBFB5AA4E}" type="datetimeFigureOut">
               <a:rPr lang="de-DE" smtClean="0"/>
-              <a:t>01.12.2017</a:t>
+              <a:t>08.12.17</a:t>
             </a:fld>
             <a:endParaRPr lang="de-DE"/>
           </a:p>
@@ -3805,7 +3805,7 @@
           <a:p>
             <a:fld id="{7E4B12FC-B41C-4527-A942-44ADBFB5AA4E}" type="datetimeFigureOut">
               <a:rPr lang="de-DE" smtClean="0"/>
-              <a:t>01.12.2017</a:t>
+              <a:t>08.12.17</a:t>
             </a:fld>
             <a:endParaRPr lang="de-DE"/>
           </a:p>
@@ -4052,7 +4052,7 @@
           <a:p>
             <a:fld id="{7E4B12FC-B41C-4527-A942-44ADBFB5AA4E}" type="datetimeFigureOut">
               <a:rPr lang="de-DE" smtClean="0"/>
-              <a:t>01.12.2017</a:t>
+              <a:t>08.12.17</a:t>
             </a:fld>
             <a:endParaRPr lang="de-DE"/>
           </a:p>
@@ -4284,7 +4284,7 @@
           <a:p>
             <a:fld id="{7E4B12FC-B41C-4527-A942-44ADBFB5AA4E}" type="datetimeFigureOut">
               <a:rPr lang="de-DE" smtClean="0"/>
-              <a:t>01.12.2017</a:t>
+              <a:t>08.12.17</a:t>
             </a:fld>
             <a:endParaRPr lang="de-DE"/>
           </a:p>
@@ -4658,7 +4658,7 @@
           <a:p>
             <a:fld id="{7E4B12FC-B41C-4527-A942-44ADBFB5AA4E}" type="datetimeFigureOut">
               <a:rPr lang="de-DE" smtClean="0"/>
-              <a:t>01.12.2017</a:t>
+              <a:t>08.12.17</a:t>
             </a:fld>
             <a:endParaRPr lang="de-DE"/>
           </a:p>
@@ -4781,7 +4781,7 @@
           <a:p>
             <a:fld id="{7E4B12FC-B41C-4527-A942-44ADBFB5AA4E}" type="datetimeFigureOut">
               <a:rPr lang="de-DE" smtClean="0"/>
-              <a:t>01.12.2017</a:t>
+              <a:t>08.12.17</a:t>
             </a:fld>
             <a:endParaRPr lang="de-DE"/>
           </a:p>
@@ -4876,7 +4876,7 @@
           <a:p>
             <a:fld id="{7E4B12FC-B41C-4527-A942-44ADBFB5AA4E}" type="datetimeFigureOut">
               <a:rPr lang="de-DE" smtClean="0"/>
-              <a:t>01.12.2017</a:t>
+              <a:t>08.12.17</a:t>
             </a:fld>
             <a:endParaRPr lang="de-DE"/>
           </a:p>
@@ -5131,7 +5131,7 @@
           <a:p>
             <a:fld id="{7E4B12FC-B41C-4527-A942-44ADBFB5AA4E}" type="datetimeFigureOut">
               <a:rPr lang="de-DE" smtClean="0"/>
-              <a:t>01.12.2017</a:t>
+              <a:t>08.12.17</a:t>
             </a:fld>
             <a:endParaRPr lang="de-DE"/>
           </a:p>
@@ -5394,7 +5394,7 @@
           <a:p>
             <a:fld id="{7E4B12FC-B41C-4527-A942-44ADBFB5AA4E}" type="datetimeFigureOut">
               <a:rPr lang="de-DE" smtClean="0"/>
-              <a:t>01.12.2017</a:t>
+              <a:t>08.12.17</a:t>
             </a:fld>
             <a:endParaRPr lang="de-DE"/>
           </a:p>
@@ -6137,7 +6137,7 @@
           <a:p>
             <a:fld id="{7E4B12FC-B41C-4527-A942-44ADBFB5AA4E}" type="datetimeFigureOut">
               <a:rPr lang="de-DE" smtClean="0"/>
-              <a:t>01.12.2017</a:t>
+              <a:t>08.12.17</a:t>
             </a:fld>
             <a:endParaRPr lang="de-DE"/>
           </a:p>
@@ -6666,7 +6666,7 @@
           <p:cNvPr id="2" name="Titel 1">
             <a:extLst>
               <a:ext uri="{FF2B5EF4-FFF2-40B4-BE49-F238E27FC236}">
-                <a16:creationId xmlns:a16="http://schemas.microsoft.com/office/drawing/2014/main" id="{28AF60F3-4C86-436F-9DE0-D04CFD36C911}"/>
+                <a16:creationId xmlns="" xmlns:a16="http://schemas.microsoft.com/office/drawing/2014/main" id="{28AF60F3-4C86-436F-9DE0-D04CFD36C911}"/>
               </a:ext>
             </a:extLst>
           </p:cNvPr>
@@ -6684,7 +6684,15 @@
           <a:p>
             <a:r>
               <a:rPr lang="de-DE" dirty="0"/>
-              <a:t>4. Projektstatusmeeting</a:t>
+              <a:t>5</a:t>
+            </a:r>
+            <a:r>
+              <a:rPr lang="de-DE" dirty="0" smtClean="0"/>
+              <a:t>. </a:t>
+            </a:r>
+            <a:r>
+              <a:rPr lang="de-DE" dirty="0"/>
+              <a:t>Projektstatusmeeting</a:t>
             </a:r>
           </a:p>
         </p:txBody>
@@ -6694,7 +6702,7 @@
           <p:cNvPr id="3" name="Untertitel 2">
             <a:extLst>
               <a:ext uri="{FF2B5EF4-FFF2-40B4-BE49-F238E27FC236}">
-                <a16:creationId xmlns:a16="http://schemas.microsoft.com/office/drawing/2014/main" id="{4F119340-F0BF-4921-9121-2CECB7611F5F}"/>
+                <a16:creationId xmlns="" xmlns:a16="http://schemas.microsoft.com/office/drawing/2014/main" id="{4F119340-F0BF-4921-9121-2CECB7611F5F}"/>
               </a:ext>
             </a:extLst>
           </p:cNvPr>
@@ -6718,9 +6726,10 @@
               <a:rPr lang="de-DE" dirty="0"/>
             </a:br>
             <a:r>
-              <a:rPr lang="de-DE" dirty="0"/>
-              <a:t>30.11.2017</a:t>
-            </a:r>
+              <a:rPr lang="de-DE" dirty="0" smtClean="0"/>
+              <a:t>07.12.2017</a:t>
+            </a:r>
+            <a:endParaRPr lang="de-DE" dirty="0"/>
           </a:p>
         </p:txBody>
       </p:sp>
@@ -6734,6 +6743,13 @@
   <p:clrMapOvr>
     <a:masterClrMapping/>
   </p:clrMapOvr>
+  <p:timing>
+    <p:tnLst>
+      <p:par>
+        <p:cTn id="1" dur="indefinite" restart="never" nodeType="tmRoot"/>
+      </p:par>
+    </p:tnLst>
+  </p:timing>
 </p:sld>
 </file>
 
@@ -6759,7 +6775,7 @@
           <p:cNvPr id="4" name="Grafik 3">
             <a:extLst>
               <a:ext uri="{FF2B5EF4-FFF2-40B4-BE49-F238E27FC236}">
-                <a16:creationId xmlns:a16="http://schemas.microsoft.com/office/drawing/2014/main" id="{67984B8F-1F69-4CE6-8529-F4AB78FD359F}"/>
+                <a16:creationId xmlns="" xmlns:a16="http://schemas.microsoft.com/office/drawing/2014/main" id="{67984B8F-1F69-4CE6-8529-F4AB78FD359F}"/>
               </a:ext>
             </a:extLst>
           </p:cNvPr>
@@ -6789,7 +6805,7 @@
           <p:cNvPr id="2" name="Titel 1">
             <a:extLst>
               <a:ext uri="{FF2B5EF4-FFF2-40B4-BE49-F238E27FC236}">
-                <a16:creationId xmlns:a16="http://schemas.microsoft.com/office/drawing/2014/main" id="{F1ADACE7-9465-44DB-8888-B87B48B23537}"/>
+                <a16:creationId xmlns="" xmlns:a16="http://schemas.microsoft.com/office/drawing/2014/main" id="{F1ADACE7-9465-44DB-8888-B87B48B23537}"/>
               </a:ext>
             </a:extLst>
           </p:cNvPr>
@@ -6817,7 +6833,7 @@
           <p:cNvPr id="3" name="Inhaltsplatzhalter 2">
             <a:extLst>
               <a:ext uri="{FF2B5EF4-FFF2-40B4-BE49-F238E27FC236}">
-                <a16:creationId xmlns:a16="http://schemas.microsoft.com/office/drawing/2014/main" id="{F5C40510-0F5A-4AEA-AC4D-4C2BE9BB8C2C}"/>
+                <a16:creationId xmlns="" xmlns:a16="http://schemas.microsoft.com/office/drawing/2014/main" id="{F5C40510-0F5A-4AEA-AC4D-4C2BE9BB8C2C}"/>
               </a:ext>
             </a:extLst>
           </p:cNvPr>
@@ -6855,6 +6871,13 @@
   <p:clrMapOvr>
     <a:masterClrMapping/>
   </p:clrMapOvr>
+  <p:timing>
+    <p:tnLst>
+      <p:par>
+        <p:cTn id="1" dur="indefinite" restart="never" nodeType="tmRoot"/>
+      </p:par>
+    </p:tnLst>
+  </p:timing>
 </p:sld>
 </file>
 
@@ -6880,7 +6903,7 @@
           <p:cNvPr id="2" name="Titel 1">
             <a:extLst>
               <a:ext uri="{FF2B5EF4-FFF2-40B4-BE49-F238E27FC236}">
-                <a16:creationId xmlns:a16="http://schemas.microsoft.com/office/drawing/2014/main" id="{5E7451E9-A73B-43EE-A5BA-498A3B208DFE}"/>
+                <a16:creationId xmlns="" xmlns:a16="http://schemas.microsoft.com/office/drawing/2014/main" id="{5E7451E9-A73B-43EE-A5BA-498A3B208DFE}"/>
               </a:ext>
             </a:extLst>
           </p:cNvPr>
@@ -6903,8 +6926,13 @@
           <a:p>
             <a:r>
               <a:rPr lang="de-DE" dirty="0"/>
-              <a:t>Projektstatus 30.11.2017</a:t>
-            </a:r>
+              <a:t>Projektstatus </a:t>
+            </a:r>
+            <a:r>
+              <a:rPr lang="de-DE" dirty="0" smtClean="0"/>
+              <a:t>07.12.2017</a:t>
+            </a:r>
+            <a:endParaRPr lang="de-DE" dirty="0"/>
           </a:p>
         </p:txBody>
       </p:sp>
@@ -6913,7 +6941,7 @@
           <p:cNvPr id="3" name="Inhaltsplatzhalter 2">
             <a:extLst>
               <a:ext uri="{FF2B5EF4-FFF2-40B4-BE49-F238E27FC236}">
-                <a16:creationId xmlns:a16="http://schemas.microsoft.com/office/drawing/2014/main" id="{291BAE68-A8FF-4192-A98B-E6ED570EDED3}"/>
+                <a16:creationId xmlns="" xmlns:a16="http://schemas.microsoft.com/office/drawing/2014/main" id="{291BAE68-A8FF-4192-A98B-E6ED570EDED3}"/>
               </a:ext>
             </a:extLst>
           </p:cNvPr>
@@ -6942,25 +6970,25 @@
           <a:p>
             <a:r>
               <a:rPr lang="de-DE" sz="1600" dirty="0"/>
-              <a:t>Projektmanager: Aktivitätsdiagramme erstellt</a:t>
+              <a:t>Technologiemanager: ggf. Überarbeitung Lastenheft</a:t>
             </a:r>
           </a:p>
           <a:p>
             <a:r>
               <a:rPr lang="de-DE" sz="1600" dirty="0"/>
-              <a:t>Technologiemanager: Überarbeitung Use Cases</a:t>
+              <a:t>Projektmanager: ggf. Überarbeitung Lastenheft</a:t>
             </a:r>
           </a:p>
           <a:p>
             <a:r>
               <a:rPr lang="de-DE" sz="1600" dirty="0"/>
-              <a:t>Qualitätsmanager: Korrekturlesen, Design Fixen, Verzeichnisse</a:t>
+              <a:t>Qualitätsmanager: ggf. Überarbeitung Lastenheft</a:t>
             </a:r>
           </a:p>
           <a:p>
             <a:r>
               <a:rPr lang="de-DE" sz="1600" dirty="0"/>
-              <a:t>Vertriebsmanager: Überarbeitung Use Cases</a:t>
+              <a:t>Vertriebsmanager: Unterschrift für Lastenheft einholen</a:t>
             </a:r>
           </a:p>
           <a:p>
@@ -6978,26 +7006,58 @@
           <a:p>
             <a:r>
               <a:rPr lang="de-DE" sz="1600" dirty="0"/>
-              <a:t>Technologiemanager: ggf. Überarbeitung Lastenheft</a:t>
-            </a:r>
+              <a:t>Technologiemanager: </a:t>
+            </a:r>
+            <a:r>
+              <a:rPr lang="de-DE" sz="1600" dirty="0" smtClean="0"/>
+              <a:t>Status Projekt des </a:t>
+            </a:r>
+            <a:r>
+              <a:rPr lang="de-DE" sz="1600" dirty="0" err="1" smtClean="0"/>
+              <a:t>NodeJS</a:t>
+            </a:r>
+            <a:r>
+              <a:rPr lang="de-DE" sz="1600" dirty="0" smtClean="0"/>
+              <a:t>-Project checken</a:t>
+            </a:r>
+            <a:endParaRPr lang="de-DE" sz="1600" dirty="0"/>
           </a:p>
           <a:p>
             <a:r>
               <a:rPr lang="de-DE" sz="1600" dirty="0"/>
-              <a:t>Projektmanager: ggf. Überarbeitung Lastenheft</a:t>
-            </a:r>
+              <a:t>Projektmanager: </a:t>
+            </a:r>
+            <a:r>
+              <a:rPr lang="de-DE" sz="1600" dirty="0" smtClean="0"/>
+              <a:t>Breakdown der Tasks in </a:t>
+            </a:r>
+            <a:r>
+              <a:rPr lang="de-DE" sz="1600" dirty="0" err="1" smtClean="0"/>
+              <a:t>Trello</a:t>
+            </a:r>
+            <a:endParaRPr lang="de-DE" sz="1600" dirty="0"/>
           </a:p>
           <a:p>
             <a:r>
               <a:rPr lang="de-DE" sz="1600" dirty="0"/>
-              <a:t>Qualitätsmanager: ggf. Überarbeitung Lastenheft</a:t>
-            </a:r>
+              <a:t>Qualitätsmanager: Start der </a:t>
+            </a:r>
+            <a:r>
+              <a:rPr lang="de-DE" sz="1600" dirty="0" smtClean="0"/>
+              <a:t>Implementierung</a:t>
+            </a:r>
+            <a:endParaRPr lang="de-DE" sz="1600" dirty="0"/>
           </a:p>
           <a:p>
             <a:r>
               <a:rPr lang="de-DE" sz="1600" dirty="0"/>
-              <a:t>Vertriebsmanager: Unterschrift für Lastenheft einholen</a:t>
-            </a:r>
+              <a:t>Vertriebsmanager: Unterschrift für Lastenheft </a:t>
+            </a:r>
+            <a:r>
+              <a:rPr lang="de-DE" sz="1600" dirty="0" smtClean="0"/>
+              <a:t>einholen (07.12.17)</a:t>
+            </a:r>
+            <a:endParaRPr lang="de-DE" sz="1600" dirty="0"/>
           </a:p>
         </p:txBody>
       </p:sp>
@@ -7006,7 +7066,7 @@
           <p:cNvPr id="4" name="Rechteck: abgerundete Ecken 3">
             <a:extLst>
               <a:ext uri="{FF2B5EF4-FFF2-40B4-BE49-F238E27FC236}">
-                <a16:creationId xmlns:a16="http://schemas.microsoft.com/office/drawing/2014/main" id="{39EF7563-7554-41CE-897C-0D4EEA602E2D}"/>
+                <a16:creationId xmlns="" xmlns:a16="http://schemas.microsoft.com/office/drawing/2014/main" id="{39EF7563-7554-41CE-897C-0D4EEA602E2D}"/>
               </a:ext>
             </a:extLst>
           </p:cNvPr>
@@ -7052,7 +7112,7 @@
           <p:cNvPr id="5" name="Ellipse 4">
             <a:extLst>
               <a:ext uri="{FF2B5EF4-FFF2-40B4-BE49-F238E27FC236}">
-                <a16:creationId xmlns:a16="http://schemas.microsoft.com/office/drawing/2014/main" id="{0887EF24-7328-4943-9104-55EB7B526C8C}"/>
+                <a16:creationId xmlns="" xmlns:a16="http://schemas.microsoft.com/office/drawing/2014/main" id="{0887EF24-7328-4943-9104-55EB7B526C8C}"/>
               </a:ext>
             </a:extLst>
           </p:cNvPr>
@@ -7102,7 +7162,7 @@
           <p:cNvPr id="6" name="Ellipse 5">
             <a:extLst>
               <a:ext uri="{FF2B5EF4-FFF2-40B4-BE49-F238E27FC236}">
-                <a16:creationId xmlns:a16="http://schemas.microsoft.com/office/drawing/2014/main" id="{C47AFAB6-2270-408A-BE0A-A467F037F5CD}"/>
+                <a16:creationId xmlns="" xmlns:a16="http://schemas.microsoft.com/office/drawing/2014/main" id="{C47AFAB6-2270-408A-BE0A-A467F037F5CD}"/>
               </a:ext>
             </a:extLst>
           </p:cNvPr>
@@ -7156,7 +7216,7 @@
           <p:cNvPr id="7" name="Ellipse 6">
             <a:extLst>
               <a:ext uri="{FF2B5EF4-FFF2-40B4-BE49-F238E27FC236}">
-                <a16:creationId xmlns:a16="http://schemas.microsoft.com/office/drawing/2014/main" id="{C6D86B27-42B6-4601-AB43-F62C77DE7B38}"/>
+                <a16:creationId xmlns="" xmlns:a16="http://schemas.microsoft.com/office/drawing/2014/main" id="{C6D86B27-42B6-4601-AB43-F62C77DE7B38}"/>
               </a:ext>
             </a:extLst>
           </p:cNvPr>
@@ -7172,7 +7232,7 @@
             <a:avLst/>
           </a:prstGeom>
           <a:solidFill>
-            <a:srgbClr val="FFFF00"/>
+            <a:schemeClr val="bg1"/>
           </a:solidFill>
           <a:ln w="76200">
             <a:solidFill>
@@ -7205,6 +7265,62 @@
           </a:p>
         </p:txBody>
       </p:sp>
+      <p:sp>
+        <p:nvSpPr>
+          <p:cNvPr id="8" name="Ellipse 6">
+            <a:extLst>
+              <a:ext uri="{FF2B5EF4-FFF2-40B4-BE49-F238E27FC236}">
+                <a16:creationId xmlns="" xmlns:a16="http://schemas.microsoft.com/office/drawing/2014/main" id="{C6D86B27-42B6-4601-AB43-F62C77DE7B38}"/>
+              </a:ext>
+            </a:extLst>
+          </p:cNvPr>
+          <p:cNvSpPr/>
+          <p:nvPr/>
+        </p:nvSpPr>
+        <p:spPr>
+          <a:xfrm>
+            <a:off x="7954391" y="2005367"/>
+            <a:ext cx="994299" cy="949910"/>
+          </a:xfrm>
+          <a:prstGeom prst="ellipse">
+            <a:avLst/>
+          </a:prstGeom>
+          <a:solidFill>
+            <a:schemeClr val="accent1"/>
+          </a:solidFill>
+          <a:ln w="76200">
+            <a:solidFill>
+              <a:schemeClr val="accent1">
+                <a:lumMod val="75000"/>
+              </a:schemeClr>
+            </a:solidFill>
+          </a:ln>
+        </p:spPr>
+        <p:style>
+          <a:lnRef idx="2">
+            <a:schemeClr val="accent3">
+              <a:shade val="50000"/>
+            </a:schemeClr>
+          </a:lnRef>
+          <a:fillRef idx="1">
+            <a:schemeClr val="accent3"/>
+          </a:fillRef>
+          <a:effectRef idx="0">
+            <a:schemeClr val="accent3"/>
+          </a:effectRef>
+          <a:fontRef idx="minor">
+            <a:schemeClr val="lt1"/>
+          </a:fontRef>
+        </p:style>
+        <p:txBody>
+          <a:bodyPr rtlCol="0" anchor="ctr"/>
+          <a:lstStyle/>
+          <a:p>
+            <a:pPr algn="ctr"/>
+            <a:endParaRPr lang="de-DE"/>
+          </a:p>
+        </p:txBody>
+      </p:sp>
     </p:spTree>
     <p:extLst>
       <p:ext uri="{BB962C8B-B14F-4D97-AF65-F5344CB8AC3E}">
@@ -7215,6 +7331,13 @@
   <p:clrMapOvr>
     <a:masterClrMapping/>
   </p:clrMapOvr>
+  <p:timing>
+    <p:tnLst>
+      <p:par>
+        <p:cTn id="1" dur="indefinite" restart="never" nodeType="tmRoot"/>
+      </p:par>
+    </p:tnLst>
+  </p:timing>
 </p:sld>
 </file>
 
@@ -7240,7 +7363,7 @@
           <p:cNvPr id="2" name="Titel 1">
             <a:extLst>
               <a:ext uri="{FF2B5EF4-FFF2-40B4-BE49-F238E27FC236}">
-                <a16:creationId xmlns:a16="http://schemas.microsoft.com/office/drawing/2014/main" id="{F1ADACE7-9465-44DB-8888-B87B48B23537}"/>
+                <a16:creationId xmlns="" xmlns:a16="http://schemas.microsoft.com/office/drawing/2014/main" id="{F1ADACE7-9465-44DB-8888-B87B48B23537}"/>
               </a:ext>
             </a:extLst>
           </p:cNvPr>
@@ -7270,7 +7393,7 @@
           <p:nvPr>
             <p:extLst>
               <p:ext uri="{D42A27DB-BD31-4B8C-83A1-F6EECF244321}">
-                <p14:modId xmlns:p14="http://schemas.microsoft.com/office/powerpoint/2010/main" val="2001313357"/>
+                <p14:modId xmlns:p14="http://schemas.microsoft.com/office/powerpoint/2010/main" val="1498263372"/>
               </p:ext>
             </p:extLst>
           </p:nvPr>
@@ -7295,6 +7418,13 @@
   <p:clrMapOvr>
     <a:masterClrMapping/>
   </p:clrMapOvr>
+  <p:timing>
+    <p:tnLst>
+      <p:par>
+        <p:cTn id="1" dur="indefinite" restart="never" nodeType="tmRoot"/>
+      </p:par>
+    </p:tnLst>
+  </p:timing>
 </p:sld>
 </file>
 
@@ -7320,7 +7450,7 @@
           <p:cNvPr id="2" name="Titel 1">
             <a:extLst>
               <a:ext uri="{FF2B5EF4-FFF2-40B4-BE49-F238E27FC236}">
-                <a16:creationId xmlns:a16="http://schemas.microsoft.com/office/drawing/2014/main" id="{7D823FA2-6F28-48CD-B4AD-4989D2EE955C}"/>
+                <a16:creationId xmlns="" xmlns:a16="http://schemas.microsoft.com/office/drawing/2014/main" id="{7D823FA2-6F28-48CD-B4AD-4989D2EE955C}"/>
               </a:ext>
             </a:extLst>
           </p:cNvPr>
@@ -7338,8 +7468,13 @@
           <a:p>
             <a:r>
               <a:rPr lang="de-DE" dirty="0"/>
-              <a:t>Projektstatus 16.11.2017</a:t>
-            </a:r>
+              <a:t>Projektstatus </a:t>
+            </a:r>
+            <a:r>
+              <a:rPr lang="de-DE" dirty="0" smtClean="0"/>
+              <a:t>07.12.2017</a:t>
+            </a:r>
+            <a:endParaRPr lang="de-DE" dirty="0"/>
           </a:p>
         </p:txBody>
       </p:sp>
@@ -7348,7 +7483,7 @@
           <p:cNvPr id="4" name="Inhaltsplatzhalter 3">
             <a:extLst>
               <a:ext uri="{FF2B5EF4-FFF2-40B4-BE49-F238E27FC236}">
-                <a16:creationId xmlns:a16="http://schemas.microsoft.com/office/drawing/2014/main" id="{4DD2BAC7-EEC9-454C-BCB1-C6F932F07C65}"/>
+                <a16:creationId xmlns="" xmlns:a16="http://schemas.microsoft.com/office/drawing/2014/main" id="{4DD2BAC7-EEC9-454C-BCB1-C6F932F07C65}"/>
               </a:ext>
             </a:extLst>
           </p:cNvPr>
@@ -7359,7 +7494,7 @@
             <p:ph idx="1"/>
             <p:extLst>
               <p:ext uri="{D42A27DB-BD31-4B8C-83A1-F6EECF244321}">
-                <p14:modId xmlns:p14="http://schemas.microsoft.com/office/powerpoint/2010/main" val="1285836045"/>
+                <p14:modId xmlns:p14="http://schemas.microsoft.com/office/powerpoint/2010/main" val="1294874946"/>
               </p:ext>
             </p:extLst>
           </p:nvPr>
@@ -7378,28 +7513,28 @@
                 <a:gridCol w="2681056">
                   <a:extLst>
                     <a:ext uri="{9D8B030D-6E8A-4147-A177-3AD203B41FA5}">
-                      <a16:colId xmlns:a16="http://schemas.microsoft.com/office/drawing/2014/main" val="3333208258"/>
+                      <a16:colId xmlns="" xmlns:a16="http://schemas.microsoft.com/office/drawing/2014/main" val="3333208258"/>
                     </a:ext>
                   </a:extLst>
                 </a:gridCol>
                 <a:gridCol w="2991775">
                   <a:extLst>
                     <a:ext uri="{9D8B030D-6E8A-4147-A177-3AD203B41FA5}">
-                      <a16:colId xmlns:a16="http://schemas.microsoft.com/office/drawing/2014/main" val="3515302643"/>
+                      <a16:colId xmlns="" xmlns:a16="http://schemas.microsoft.com/office/drawing/2014/main" val="3515302643"/>
                     </a:ext>
                   </a:extLst>
                 </a:gridCol>
                 <a:gridCol w="1358283">
                   <a:extLst>
                     <a:ext uri="{9D8B030D-6E8A-4147-A177-3AD203B41FA5}">
-                      <a16:colId xmlns:a16="http://schemas.microsoft.com/office/drawing/2014/main" val="2548307700"/>
+                      <a16:colId xmlns="" xmlns:a16="http://schemas.microsoft.com/office/drawing/2014/main" val="2548307700"/>
                     </a:ext>
                   </a:extLst>
                 </a:gridCol>
                 <a:gridCol w="1558951">
                   <a:extLst>
                     <a:ext uri="{9D8B030D-6E8A-4147-A177-3AD203B41FA5}">
-                      <a16:colId xmlns:a16="http://schemas.microsoft.com/office/drawing/2014/main" val="2744869812"/>
+                      <a16:colId xmlns="" xmlns:a16="http://schemas.microsoft.com/office/drawing/2014/main" val="2744869812"/>
                     </a:ext>
                   </a:extLst>
                 </a:gridCol>
@@ -7464,7 +7599,7 @@
                 </a:tc>
                 <a:extLst>
                   <a:ext uri="{0D108BD9-81ED-4DB2-BD59-A6C34878D82A}">
-                    <a16:rowId xmlns:a16="http://schemas.microsoft.com/office/drawing/2014/main" val="4089407716"/>
+                    <a16:rowId xmlns="" xmlns:a16="http://schemas.microsoft.com/office/drawing/2014/main" val="4089407716"/>
                   </a:ext>
                 </a:extLst>
               </a:tr>
@@ -7497,10 +7632,12 @@
                     <a:bodyPr/>
                     <a:lstStyle/>
                     <a:p>
+                      <a:pPr algn="r"/>
                       <a:r>
-                        <a:rPr lang="de-DE" b="1" dirty="0"/>
-                        <a:t>7</a:t>
+                        <a:rPr lang="de-DE" b="1" dirty="0" smtClean="0"/>
+                        <a:t>38</a:t>
                       </a:r>
+                      <a:endParaRPr lang="de-DE" b="1" dirty="0"/>
                     </a:p>
                   </a:txBody>
                   <a:tcPr/>
@@ -7510,17 +7647,19 @@
                     <a:bodyPr/>
                     <a:lstStyle/>
                     <a:p>
+                      <a:pPr algn="r"/>
                       <a:r>
-                        <a:rPr lang="de-DE" b="1" dirty="0"/>
-                        <a:t>85</a:t>
+                        <a:rPr lang="de-DE" b="1" dirty="0" smtClean="0"/>
+                        <a:t>105</a:t>
                       </a:r>
+                      <a:endParaRPr lang="de-DE" b="1" dirty="0"/>
                     </a:p>
                   </a:txBody>
                   <a:tcPr/>
                 </a:tc>
                 <a:extLst>
                   <a:ext uri="{0D108BD9-81ED-4DB2-BD59-A6C34878D82A}">
-                    <a16:rowId xmlns:a16="http://schemas.microsoft.com/office/drawing/2014/main" val="2417359849"/>
+                    <a16:rowId xmlns="" xmlns:a16="http://schemas.microsoft.com/office/drawing/2014/main" val="2417359849"/>
                   </a:ext>
                 </a:extLst>
               </a:tr>
@@ -7553,10 +7692,12 @@
                     <a:bodyPr/>
                     <a:lstStyle/>
                     <a:p>
+                      <a:pPr algn="r"/>
                       <a:r>
-                        <a:rPr lang="de-DE" dirty="0"/>
-                        <a:t>1</a:t>
+                        <a:rPr lang="de-DE" dirty="0" smtClean="0"/>
+                        <a:t>8</a:t>
                       </a:r>
+                      <a:endParaRPr lang="de-DE" dirty="0"/>
                     </a:p>
                   </a:txBody>
                   <a:tcPr/>
@@ -7566,6 +7707,7 @@
                     <a:bodyPr/>
                     <a:lstStyle/>
                     <a:p>
+                      <a:pPr algn="r"/>
                       <a:r>
                         <a:rPr lang="de-DE" dirty="0"/>
                         <a:t>35</a:t>
@@ -7576,7 +7718,7 @@
                 </a:tc>
                 <a:extLst>
                   <a:ext uri="{0D108BD9-81ED-4DB2-BD59-A6C34878D82A}">
-                    <a16:rowId xmlns:a16="http://schemas.microsoft.com/office/drawing/2014/main" val="3715285988"/>
+                    <a16:rowId xmlns="" xmlns:a16="http://schemas.microsoft.com/office/drawing/2014/main" val="3715285988"/>
                   </a:ext>
                 </a:extLst>
               </a:tr>
@@ -7609,10 +7751,12 @@
                     <a:bodyPr/>
                     <a:lstStyle/>
                     <a:p>
+                      <a:pPr algn="r"/>
                       <a:r>
-                        <a:rPr lang="de-DE" dirty="0"/>
-                        <a:t>6</a:t>
+                        <a:rPr lang="de-DE" dirty="0" smtClean="0"/>
+                        <a:t>30</a:t>
                       </a:r>
+                      <a:endParaRPr lang="de-DE" dirty="0"/>
                     </a:p>
                   </a:txBody>
                   <a:tcPr/>
@@ -7622,6 +7766,7 @@
                     <a:bodyPr/>
                     <a:lstStyle/>
                     <a:p>
+                      <a:pPr algn="r"/>
                       <a:r>
                         <a:rPr lang="de-DE" dirty="0"/>
                         <a:t>50</a:t>
@@ -7632,7 +7777,7 @@
                 </a:tc>
                 <a:extLst>
                   <a:ext uri="{0D108BD9-81ED-4DB2-BD59-A6C34878D82A}">
-                    <a16:rowId xmlns:a16="http://schemas.microsoft.com/office/drawing/2014/main" val="3131974625"/>
+                    <a16:rowId xmlns="" xmlns:a16="http://schemas.microsoft.com/office/drawing/2014/main" val="3131974625"/>
                   </a:ext>
                 </a:extLst>
               </a:tr>
@@ -7665,10 +7810,12 @@
                     <a:bodyPr/>
                     <a:lstStyle/>
                     <a:p>
+                      <a:pPr algn="r"/>
                       <a:r>
-                        <a:rPr lang="de-DE" b="1" dirty="0"/>
-                        <a:t>13</a:t>
+                        <a:rPr lang="de-DE" b="1" dirty="0" smtClean="0"/>
+                        <a:t>7</a:t>
                       </a:r>
+                      <a:endParaRPr lang="de-DE" b="1" dirty="0"/>
                     </a:p>
                   </a:txBody>
                   <a:tcPr/>
@@ -7678,17 +7825,19 @@
                     <a:bodyPr/>
                     <a:lstStyle/>
                     <a:p>
+                      <a:pPr algn="r"/>
                       <a:r>
-                        <a:rPr lang="de-DE" b="1" dirty="0"/>
-                        <a:t>75</a:t>
+                        <a:rPr lang="de-DE" b="1" dirty="0" smtClean="0"/>
+                        <a:t>95</a:t>
                       </a:r>
+                      <a:endParaRPr lang="de-DE" b="1" dirty="0"/>
                     </a:p>
                   </a:txBody>
                   <a:tcPr/>
                 </a:tc>
                 <a:extLst>
                   <a:ext uri="{0D108BD9-81ED-4DB2-BD59-A6C34878D82A}">
-                    <a16:rowId xmlns:a16="http://schemas.microsoft.com/office/drawing/2014/main" val="4102654267"/>
+                    <a16:rowId xmlns="" xmlns:a16="http://schemas.microsoft.com/office/drawing/2014/main" val="4102654267"/>
                   </a:ext>
                 </a:extLst>
               </a:tr>
@@ -7726,9 +7875,10 @@
                     <a:bodyPr/>
                     <a:lstStyle/>
                     <a:p>
+                      <a:pPr algn="r"/>
                       <a:r>
                         <a:rPr lang="de-DE" dirty="0"/>
-                        <a:t>6</a:t>
+                        <a:t>0</a:t>
                       </a:r>
                     </a:p>
                   </a:txBody>
@@ -7739,6 +7889,7 @@
                     <a:bodyPr/>
                     <a:lstStyle/>
                     <a:p>
+                      <a:pPr algn="r"/>
                       <a:r>
                         <a:rPr lang="de-DE" dirty="0"/>
                         <a:t>37</a:t>
@@ -7749,7 +7900,7 @@
                 </a:tc>
                 <a:extLst>
                   <a:ext uri="{0D108BD9-81ED-4DB2-BD59-A6C34878D82A}">
-                    <a16:rowId xmlns:a16="http://schemas.microsoft.com/office/drawing/2014/main" val="3716107784"/>
+                    <a16:rowId xmlns="" xmlns:a16="http://schemas.microsoft.com/office/drawing/2014/main" val="3716107784"/>
                   </a:ext>
                 </a:extLst>
               </a:tr>
@@ -7782,6 +7933,7 @@
                     <a:bodyPr/>
                     <a:lstStyle/>
                     <a:p>
+                      <a:pPr algn="r"/>
                       <a:r>
                         <a:rPr lang="de-DE" dirty="0"/>
                         <a:t>7</a:t>
@@ -7795,6 +7947,7 @@
                     <a:bodyPr/>
                     <a:lstStyle/>
                     <a:p>
+                      <a:pPr algn="r"/>
                       <a:r>
                         <a:rPr lang="de-DE" dirty="0"/>
                         <a:t>38</a:t>
@@ -7805,7 +7958,7 @@
                 </a:tc>
                 <a:extLst>
                   <a:ext uri="{0D108BD9-81ED-4DB2-BD59-A6C34878D82A}">
-                    <a16:rowId xmlns:a16="http://schemas.microsoft.com/office/drawing/2014/main" val="3446522591"/>
+                    <a16:rowId xmlns="" xmlns:a16="http://schemas.microsoft.com/office/drawing/2014/main" val="3446522591"/>
                   </a:ext>
                 </a:extLst>
               </a:tr>
@@ -7838,9 +7991,10 @@
                     <a:bodyPr/>
                     <a:lstStyle/>
                     <a:p>
+                      <a:pPr algn="r"/>
                       <a:r>
                         <a:rPr lang="de-DE" b="1" dirty="0"/>
-                        <a:t>6</a:t>
+                        <a:t>7</a:t>
                       </a:r>
                     </a:p>
                   </a:txBody>
@@ -7851,17 +8005,23 @@
                     <a:bodyPr/>
                     <a:lstStyle/>
                     <a:p>
+                      <a:pPr algn="r"/>
                       <a:r>
                         <a:rPr lang="de-DE" b="1" dirty="0"/>
-                        <a:t>62</a:t>
+                        <a:t>7</a:t>
                       </a:r>
+                      <a:r>
+                        <a:rPr lang="de-DE" b="1" dirty="0" smtClean="0"/>
+                        <a:t>2</a:t>
+                      </a:r>
+                      <a:endParaRPr lang="de-DE" b="1" dirty="0"/>
                     </a:p>
                   </a:txBody>
                   <a:tcPr/>
                 </a:tc>
                 <a:extLst>
                   <a:ext uri="{0D108BD9-81ED-4DB2-BD59-A6C34878D82A}">
-                    <a16:rowId xmlns:a16="http://schemas.microsoft.com/office/drawing/2014/main" val="1612872489"/>
+                    <a16:rowId xmlns="" xmlns:a16="http://schemas.microsoft.com/office/drawing/2014/main" val="1612872489"/>
                   </a:ext>
                 </a:extLst>
               </a:tr>
@@ -7894,9 +8054,10 @@
                     <a:bodyPr/>
                     <a:lstStyle/>
                     <a:p>
+                      <a:pPr algn="r"/>
                       <a:r>
                         <a:rPr lang="de-DE" dirty="0"/>
-                        <a:t>7</a:t>
+                        <a:t>4</a:t>
                       </a:r>
                     </a:p>
                   </a:txBody>
@@ -7907,6 +8068,7 @@
                     <a:bodyPr/>
                     <a:lstStyle/>
                     <a:p>
+                      <a:pPr algn="r"/>
                       <a:r>
                         <a:rPr lang="de-DE" dirty="0"/>
                         <a:t>37</a:t>
@@ -7917,7 +8079,7 @@
                 </a:tc>
                 <a:extLst>
                   <a:ext uri="{0D108BD9-81ED-4DB2-BD59-A6C34878D82A}">
-                    <a16:rowId xmlns:a16="http://schemas.microsoft.com/office/drawing/2014/main" val="4113251372"/>
+                    <a16:rowId xmlns="" xmlns:a16="http://schemas.microsoft.com/office/drawing/2014/main" val="4113251372"/>
                   </a:ext>
                 </a:extLst>
               </a:tr>
@@ -7950,9 +8112,10 @@
                     <a:bodyPr/>
                     <a:lstStyle/>
                     <a:p>
+                      <a:pPr algn="r"/>
                       <a:r>
                         <a:rPr lang="de-DE" dirty="0"/>
-                        <a:t>1</a:t>
+                        <a:t>3</a:t>
                       </a:r>
                     </a:p>
                   </a:txBody>
@@ -7963,6 +8126,7 @@
                     <a:bodyPr/>
                     <a:lstStyle/>
                     <a:p>
+                      <a:pPr algn="r"/>
                       <a:r>
                         <a:rPr lang="de-DE" dirty="0"/>
                         <a:t>27</a:t>
@@ -7973,7 +8137,7 @@
                 </a:tc>
                 <a:extLst>
                   <a:ext uri="{0D108BD9-81ED-4DB2-BD59-A6C34878D82A}">
-                    <a16:rowId xmlns:a16="http://schemas.microsoft.com/office/drawing/2014/main" val="26806913"/>
+                    <a16:rowId xmlns="" xmlns:a16="http://schemas.microsoft.com/office/drawing/2014/main" val="26806913"/>
                   </a:ext>
                 </a:extLst>
               </a:tr>
@@ -8009,9 +8173,10 @@
                     <a:bodyPr/>
                     <a:lstStyle/>
                     <a:p>
+                      <a:pPr algn="r"/>
                       <a:r>
                         <a:rPr lang="de-DE" b="1" dirty="0"/>
-                        <a:t>8</a:t>
+                        <a:t>3</a:t>
                       </a:r>
                     </a:p>
                   </a:txBody>
@@ -8022,17 +8187,19 @@
                     <a:bodyPr/>
                     <a:lstStyle/>
                     <a:p>
+                      <a:pPr algn="r"/>
                       <a:r>
-                        <a:rPr lang="de-DE" b="1" dirty="0"/>
-                        <a:t>40</a:t>
+                        <a:rPr lang="de-DE" b="1" smtClean="0"/>
+                        <a:t>49</a:t>
                       </a:r>
+                      <a:endParaRPr lang="de-DE" b="1" dirty="0"/>
                     </a:p>
                   </a:txBody>
                   <a:tcPr/>
                 </a:tc>
                 <a:extLst>
                   <a:ext uri="{0D108BD9-81ED-4DB2-BD59-A6C34878D82A}">
-                    <a16:rowId xmlns:a16="http://schemas.microsoft.com/office/drawing/2014/main" val="3250820635"/>
+                    <a16:rowId xmlns="" xmlns:a16="http://schemas.microsoft.com/office/drawing/2014/main" val="3250820635"/>
                   </a:ext>
                 </a:extLst>
               </a:tr>
@@ -8050,6 +8217,13 @@
   <p:clrMapOvr>
     <a:masterClrMapping/>
   </p:clrMapOvr>
+  <p:timing>
+    <p:tnLst>
+      <p:par>
+        <p:cTn id="1" dur="indefinite" restart="never" nodeType="tmRoot"/>
+      </p:par>
+    </p:tnLst>
+  </p:timing>
 </p:sld>
 </file>
 
@@ -8075,7 +8249,7 @@
           <p:cNvPr id="2" name="Titel 1">
             <a:extLst>
               <a:ext uri="{FF2B5EF4-FFF2-40B4-BE49-F238E27FC236}">
-                <a16:creationId xmlns:a16="http://schemas.microsoft.com/office/drawing/2014/main" id="{F1BCACEE-1DEE-4F41-97CD-A846C78D713B}"/>
+                <a16:creationId xmlns="" xmlns:a16="http://schemas.microsoft.com/office/drawing/2014/main" id="{F1BCACEE-1DEE-4F41-97CD-A846C78D713B}"/>
               </a:ext>
             </a:extLst>
           </p:cNvPr>
@@ -8103,7 +8277,7 @@
           <p:cNvPr id="3" name="Inhaltsplatzhalter 2">
             <a:extLst>
               <a:ext uri="{FF2B5EF4-FFF2-40B4-BE49-F238E27FC236}">
-                <a16:creationId xmlns:a16="http://schemas.microsoft.com/office/drawing/2014/main" id="{88114565-A84D-4D25-A812-AB968D99F896}"/>
+                <a16:creationId xmlns="" xmlns:a16="http://schemas.microsoft.com/office/drawing/2014/main" id="{88114565-A84D-4D25-A812-AB968D99F896}"/>
               </a:ext>
             </a:extLst>
           </p:cNvPr>
@@ -8117,7 +8291,7 @@
         <p:spPr/>
         <p:txBody>
           <a:bodyPr>
-            <a:normAutofit lnSpcReduction="10000"/>
+            <a:normAutofit/>
           </a:bodyPr>
           <a:lstStyle/>
           <a:p>
@@ -8129,30 +8303,10 @@
           <a:p>
             <a:pPr lvl="1"/>
             <a:r>
-              <a:rPr lang="de-DE" sz="1800" dirty="0"/>
-              <a:t>Klarheit über Anforderungen</a:t>
-            </a:r>
-          </a:p>
-          <a:p>
-            <a:pPr lvl="1"/>
-            <a:r>
-              <a:rPr lang="de-DE" sz="1800" dirty="0"/>
-              <a:t>Mockups</a:t>
-            </a:r>
-          </a:p>
-          <a:p>
-            <a:pPr lvl="1"/>
-            <a:r>
-              <a:rPr lang="de-DE" sz="1800" dirty="0"/>
-              <a:t>Use Case Diagramme</a:t>
-            </a:r>
-          </a:p>
-          <a:p>
-            <a:pPr lvl="1"/>
-            <a:r>
-              <a:rPr lang="de-DE" sz="1800" dirty="0"/>
-              <a:t>Aktivitätsdiagramme (mehrere Use Cases pro Diagramm)</a:t>
-            </a:r>
+              <a:rPr lang="de-DE" sz="1800" dirty="0" smtClean="0"/>
+              <a:t>Lastenheft</a:t>
+            </a:r>
+            <a:endParaRPr lang="de-DE" sz="1800" dirty="0"/>
           </a:p>
           <a:p>
             <a:endParaRPr lang="de-DE" sz="2000" dirty="0"/>
@@ -8166,37 +8320,9 @@
           <a:p>
             <a:pPr lvl="1"/>
             <a:r>
-              <a:rPr lang="de-DE" sz="1800" dirty="0"/>
-              <a:t>Struktur überarbeiten (Dialoge und Use Cases trennen)</a:t>
-            </a:r>
-          </a:p>
-          <a:p>
-            <a:pPr lvl="1"/>
-            <a:r>
-              <a:rPr lang="de-DE" sz="1800" dirty="0"/>
-              <a:t>Aktivitätsdiagramme zu jedem Use Case</a:t>
-            </a:r>
-          </a:p>
-          <a:p>
-            <a:pPr lvl="1"/>
-            <a:r>
-              <a:rPr lang="de-DE" sz="1800" dirty="0"/>
-              <a:t>Sätze überarbeiten (MUSS, SOLLTE, </a:t>
-            </a:r>
-            <a:r>
-              <a:rPr lang="de-DE" sz="1800" strike="sngStrike" dirty="0"/>
-              <a:t>WIRD</a:t>
-            </a:r>
-            <a:r>
-              <a:rPr lang="de-DE" sz="1800" dirty="0"/>
-              <a:t>, KANN)</a:t>
-            </a:r>
-          </a:p>
-          <a:p>
-            <a:endParaRPr lang="de-DE" sz="2000" dirty="0"/>
-          </a:p>
-          <a:p>
-            <a:endParaRPr lang="de-DE" sz="2000" dirty="0"/>
+              <a:rPr lang="de-DE" dirty="0" smtClean="0"/>
+              <a:t>Unterschrift (angesetzt für den 08.12.17)</a:t>
+            </a:r>
           </a:p>
         </p:txBody>
       </p:sp>
@@ -8210,6 +8336,13 @@
   <p:clrMapOvr>
     <a:masterClrMapping/>
   </p:clrMapOvr>
+  <p:timing>
+    <p:tnLst>
+      <p:par>
+        <p:cTn id="1" dur="indefinite" restart="never" nodeType="tmRoot"/>
+      </p:par>
+    </p:tnLst>
+  </p:timing>
 </p:sld>
 </file>
 
